--- a/PYTHON MATIRIAL/UNIT 4.pptx
+++ b/PYTHON MATIRIAL/UNIT 4.pptx
@@ -418,7 +418,7 @@
             <a:fld id="{035D2ED9-F744-43C7-B344-A5E304524B76}" type="datetimeFigureOut">
               <a:rPr lang="en-US" smtClean="0"/>
               <a:pPr/>
-              <a:t>12/16/2021</a:t>
+              <a:t>19-02-22</a:t>
             </a:fld>
             <a:endParaRPr lang="en-US" dirty="0"/>
           </a:p>
@@ -585,7 +585,7 @@
             <a:fld id="{035D2ED9-F744-43C7-B344-A5E304524B76}" type="datetimeFigureOut">
               <a:rPr lang="en-US" smtClean="0"/>
               <a:pPr/>
-              <a:t>12/16/2021</a:t>
+              <a:t>19-02-22</a:t>
             </a:fld>
             <a:endParaRPr lang="en-US" dirty="0"/>
           </a:p>
@@ -762,7 +762,7 @@
             <a:fld id="{035D2ED9-F744-43C7-B344-A5E304524B76}" type="datetimeFigureOut">
               <a:rPr lang="en-US" smtClean="0"/>
               <a:pPr/>
-              <a:t>12/16/2021</a:t>
+              <a:t>19-02-22</a:t>
             </a:fld>
             <a:endParaRPr lang="en-US" dirty="0"/>
           </a:p>
@@ -929,7 +929,7 @@
             <a:fld id="{035D2ED9-F744-43C7-B344-A5E304524B76}" type="datetimeFigureOut">
               <a:rPr lang="en-US" smtClean="0"/>
               <a:pPr/>
-              <a:t>12/16/2021</a:t>
+              <a:t>19-02-22</a:t>
             </a:fld>
             <a:endParaRPr lang="en-US" dirty="0"/>
           </a:p>
@@ -1172,7 +1172,7 @@
             <a:fld id="{035D2ED9-F744-43C7-B344-A5E304524B76}" type="datetimeFigureOut">
               <a:rPr lang="en-US" smtClean="0"/>
               <a:pPr/>
-              <a:t>12/16/2021</a:t>
+              <a:t>19-02-22</a:t>
             </a:fld>
             <a:endParaRPr lang="en-US" dirty="0"/>
           </a:p>
@@ -1457,7 +1457,7 @@
             <a:fld id="{035D2ED9-F744-43C7-B344-A5E304524B76}" type="datetimeFigureOut">
               <a:rPr lang="en-US" smtClean="0"/>
               <a:pPr/>
-              <a:t>12/16/2021</a:t>
+              <a:t>19-02-22</a:t>
             </a:fld>
             <a:endParaRPr lang="en-US" dirty="0"/>
           </a:p>
@@ -1876,7 +1876,7 @@
             <a:fld id="{035D2ED9-F744-43C7-B344-A5E304524B76}" type="datetimeFigureOut">
               <a:rPr lang="en-US" smtClean="0"/>
               <a:pPr/>
-              <a:t>12/16/2021</a:t>
+              <a:t>19-02-22</a:t>
             </a:fld>
             <a:endParaRPr lang="en-US" dirty="0"/>
           </a:p>
@@ -1991,7 +1991,7 @@
             <a:fld id="{035D2ED9-F744-43C7-B344-A5E304524B76}" type="datetimeFigureOut">
               <a:rPr lang="en-US" smtClean="0"/>
               <a:pPr/>
-              <a:t>12/16/2021</a:t>
+              <a:t>19-02-22</a:t>
             </a:fld>
             <a:endParaRPr lang="en-US" dirty="0"/>
           </a:p>
@@ -2083,7 +2083,7 @@
             <a:fld id="{035D2ED9-F744-43C7-B344-A5E304524B76}" type="datetimeFigureOut">
               <a:rPr lang="en-US" smtClean="0"/>
               <a:pPr/>
-              <a:t>12/16/2021</a:t>
+              <a:t>19-02-22</a:t>
             </a:fld>
             <a:endParaRPr lang="en-US" dirty="0"/>
           </a:p>
@@ -2357,7 +2357,7 @@
             <a:fld id="{035D2ED9-F744-43C7-B344-A5E304524B76}" type="datetimeFigureOut">
               <a:rPr lang="en-US" smtClean="0"/>
               <a:pPr/>
-              <a:t>12/16/2021</a:t>
+              <a:t>19-02-22</a:t>
             </a:fld>
             <a:endParaRPr lang="en-US" dirty="0"/>
           </a:p>
@@ -2607,7 +2607,7 @@
             <a:fld id="{035D2ED9-F744-43C7-B344-A5E304524B76}" type="datetimeFigureOut">
               <a:rPr lang="en-US" smtClean="0"/>
               <a:pPr/>
-              <a:t>12/16/2021</a:t>
+              <a:t>19-02-22</a:t>
             </a:fld>
             <a:endParaRPr lang="en-US" dirty="0"/>
           </a:p>
@@ -2817,7 +2817,7 @@
             <a:fld id="{035D2ED9-F744-43C7-B344-A5E304524B76}" type="datetimeFigureOut">
               <a:rPr lang="en-US" smtClean="0"/>
               <a:pPr/>
-              <a:t>12/16/2021</a:t>
+              <a:t>19-02-22</a:t>
             </a:fld>
             <a:endParaRPr lang="en-US" dirty="0"/>
           </a:p>

--- a/PYTHON MATIRIAL/UNIT 4.pptx
+++ b/PYTHON MATIRIAL/UNIT 4.pptx
@@ -418,7 +418,7 @@
             <a:fld id="{035D2ED9-F744-43C7-B344-A5E304524B76}" type="datetimeFigureOut">
               <a:rPr lang="en-US" smtClean="0"/>
               <a:pPr/>
-              <a:t>19-02-22</a:t>
+              <a:t>23-02-22</a:t>
             </a:fld>
             <a:endParaRPr lang="en-US" dirty="0"/>
           </a:p>
@@ -585,7 +585,7 @@
             <a:fld id="{035D2ED9-F744-43C7-B344-A5E304524B76}" type="datetimeFigureOut">
               <a:rPr lang="en-US" smtClean="0"/>
               <a:pPr/>
-              <a:t>19-02-22</a:t>
+              <a:t>23-02-22</a:t>
             </a:fld>
             <a:endParaRPr lang="en-US" dirty="0"/>
           </a:p>
@@ -762,7 +762,7 @@
             <a:fld id="{035D2ED9-F744-43C7-B344-A5E304524B76}" type="datetimeFigureOut">
               <a:rPr lang="en-US" smtClean="0"/>
               <a:pPr/>
-              <a:t>19-02-22</a:t>
+              <a:t>23-02-22</a:t>
             </a:fld>
             <a:endParaRPr lang="en-US" dirty="0"/>
           </a:p>
@@ -929,7 +929,7 @@
             <a:fld id="{035D2ED9-F744-43C7-B344-A5E304524B76}" type="datetimeFigureOut">
               <a:rPr lang="en-US" smtClean="0"/>
               <a:pPr/>
-              <a:t>19-02-22</a:t>
+              <a:t>23-02-22</a:t>
             </a:fld>
             <a:endParaRPr lang="en-US" dirty="0"/>
           </a:p>
@@ -1172,7 +1172,7 @@
             <a:fld id="{035D2ED9-F744-43C7-B344-A5E304524B76}" type="datetimeFigureOut">
               <a:rPr lang="en-US" smtClean="0"/>
               <a:pPr/>
-              <a:t>19-02-22</a:t>
+              <a:t>23-02-22</a:t>
             </a:fld>
             <a:endParaRPr lang="en-US" dirty="0"/>
           </a:p>
@@ -1457,7 +1457,7 @@
             <a:fld id="{035D2ED9-F744-43C7-B344-A5E304524B76}" type="datetimeFigureOut">
               <a:rPr lang="en-US" smtClean="0"/>
               <a:pPr/>
-              <a:t>19-02-22</a:t>
+              <a:t>23-02-22</a:t>
             </a:fld>
             <a:endParaRPr lang="en-US" dirty="0"/>
           </a:p>
@@ -1876,7 +1876,7 @@
             <a:fld id="{035D2ED9-F744-43C7-B344-A5E304524B76}" type="datetimeFigureOut">
               <a:rPr lang="en-US" smtClean="0"/>
               <a:pPr/>
-              <a:t>19-02-22</a:t>
+              <a:t>23-02-22</a:t>
             </a:fld>
             <a:endParaRPr lang="en-US" dirty="0"/>
           </a:p>
@@ -1991,7 +1991,7 @@
             <a:fld id="{035D2ED9-F744-43C7-B344-A5E304524B76}" type="datetimeFigureOut">
               <a:rPr lang="en-US" smtClean="0"/>
               <a:pPr/>
-              <a:t>19-02-22</a:t>
+              <a:t>23-02-22</a:t>
             </a:fld>
             <a:endParaRPr lang="en-US" dirty="0"/>
           </a:p>
@@ -2083,7 +2083,7 @@
             <a:fld id="{035D2ED9-F744-43C7-B344-A5E304524B76}" type="datetimeFigureOut">
               <a:rPr lang="en-US" smtClean="0"/>
               <a:pPr/>
-              <a:t>19-02-22</a:t>
+              <a:t>23-02-22</a:t>
             </a:fld>
             <a:endParaRPr lang="en-US" dirty="0"/>
           </a:p>
@@ -2357,7 +2357,7 @@
             <a:fld id="{035D2ED9-F744-43C7-B344-A5E304524B76}" type="datetimeFigureOut">
               <a:rPr lang="en-US" smtClean="0"/>
               <a:pPr/>
-              <a:t>19-02-22</a:t>
+              <a:t>23-02-22</a:t>
             </a:fld>
             <a:endParaRPr lang="en-US" dirty="0"/>
           </a:p>
@@ -2607,7 +2607,7 @@
             <a:fld id="{035D2ED9-F744-43C7-B344-A5E304524B76}" type="datetimeFigureOut">
               <a:rPr lang="en-US" smtClean="0"/>
               <a:pPr/>
-              <a:t>19-02-22</a:t>
+              <a:t>23-02-22</a:t>
             </a:fld>
             <a:endParaRPr lang="en-US" dirty="0"/>
           </a:p>
@@ -2817,7 +2817,7 @@
             <a:fld id="{035D2ED9-F744-43C7-B344-A5E304524B76}" type="datetimeFigureOut">
               <a:rPr lang="en-US" smtClean="0"/>
               <a:pPr/>
-              <a:t>19-02-22</a:t>
+              <a:t>23-02-22</a:t>
             </a:fld>
             <a:endParaRPr lang="en-US" dirty="0"/>
           </a:p>
